--- a/Seconde/Chapitre8-LentilleEtOeil/TP-DécouverteLentille/TP-DécouverteLentille [Autosaved].pptx
+++ b/Seconde/Chapitre8-LentilleEtOeil/TP-DécouverteLentille/TP-DécouverteLentille [Autosaved].pptx
@@ -5,7 +5,7 @@
     <p:sldMasterId id="2147483684" r:id="rId1"/>
   </p:sldMasterIdLst>
   <p:notesMasterIdLst>
-    <p:notesMasterId r:id="rId10"/>
+    <p:notesMasterId r:id="rId11"/>
   </p:notesMasterIdLst>
   <p:sldIdLst>
     <p:sldId id="256" r:id="rId2"/>
@@ -16,6 +16,7 @@
     <p:sldId id="260" r:id="rId7"/>
     <p:sldId id="261" r:id="rId8"/>
     <p:sldId id="263" r:id="rId9"/>
+    <p:sldId id="264" r:id="rId10"/>
   </p:sldIdLst>
   <p:sldSz cx="43200638" cy="10799763"/>
   <p:notesSz cx="6858000" cy="9144000"/>
@@ -204,7 +205,7 @@
           <a:p>
             <a:fld id="{67F7B589-9950-427A-9DAE-A66DBCAF5489}" type="datetimeFigureOut">
               <a:rPr lang="fr-FR" smtClean="0"/>
-              <a:t>08/02/2021</a:t>
+              <a:t>23/02/2021</a:t>
             </a:fld>
             <a:endParaRPr lang="fr-FR"/>
           </a:p>
@@ -692,7 +693,7 @@
           <a:p>
             <a:fld id="{5B056150-8709-403D-9B76-762C1400BCC0}" type="datetimeFigureOut">
               <a:rPr lang="fr-FR" smtClean="0"/>
-              <a:t>08/02/2021</a:t>
+              <a:t>23/02/2021</a:t>
             </a:fld>
             <a:endParaRPr lang="fr-FR"/>
           </a:p>
@@ -862,7 +863,7 @@
           <a:p>
             <a:fld id="{5B056150-8709-403D-9B76-762C1400BCC0}" type="datetimeFigureOut">
               <a:rPr lang="fr-FR" smtClean="0"/>
-              <a:t>08/02/2021</a:t>
+              <a:t>23/02/2021</a:t>
             </a:fld>
             <a:endParaRPr lang="fr-FR"/>
           </a:p>
@@ -1042,7 +1043,7 @@
           <a:p>
             <a:fld id="{5B056150-8709-403D-9B76-762C1400BCC0}" type="datetimeFigureOut">
               <a:rPr lang="fr-FR" smtClean="0"/>
-              <a:t>08/02/2021</a:t>
+              <a:t>23/02/2021</a:t>
             </a:fld>
             <a:endParaRPr lang="fr-FR"/>
           </a:p>
@@ -1212,7 +1213,7 @@
           <a:p>
             <a:fld id="{5B056150-8709-403D-9B76-762C1400BCC0}" type="datetimeFigureOut">
               <a:rPr lang="fr-FR" smtClean="0"/>
-              <a:t>08/02/2021</a:t>
+              <a:t>23/02/2021</a:t>
             </a:fld>
             <a:endParaRPr lang="fr-FR"/>
           </a:p>
@@ -1458,7 +1459,7 @@
           <a:p>
             <a:fld id="{5B056150-8709-403D-9B76-762C1400BCC0}" type="datetimeFigureOut">
               <a:rPr lang="fr-FR" smtClean="0"/>
-              <a:t>08/02/2021</a:t>
+              <a:t>23/02/2021</a:t>
             </a:fld>
             <a:endParaRPr lang="fr-FR"/>
           </a:p>
@@ -1690,7 +1691,7 @@
           <a:p>
             <a:fld id="{5B056150-8709-403D-9B76-762C1400BCC0}" type="datetimeFigureOut">
               <a:rPr lang="fr-FR" smtClean="0"/>
-              <a:t>08/02/2021</a:t>
+              <a:t>23/02/2021</a:t>
             </a:fld>
             <a:endParaRPr lang="fr-FR"/>
           </a:p>
@@ -2057,7 +2058,7 @@
           <a:p>
             <a:fld id="{5B056150-8709-403D-9B76-762C1400BCC0}" type="datetimeFigureOut">
               <a:rPr lang="fr-FR" smtClean="0"/>
-              <a:t>08/02/2021</a:t>
+              <a:t>23/02/2021</a:t>
             </a:fld>
             <a:endParaRPr lang="fr-FR"/>
           </a:p>
@@ -2175,7 +2176,7 @@
           <a:p>
             <a:fld id="{5B056150-8709-403D-9B76-762C1400BCC0}" type="datetimeFigureOut">
               <a:rPr lang="fr-FR" smtClean="0"/>
-              <a:t>08/02/2021</a:t>
+              <a:t>23/02/2021</a:t>
             </a:fld>
             <a:endParaRPr lang="fr-FR"/>
           </a:p>
@@ -2270,7 +2271,7 @@
           <a:p>
             <a:fld id="{5B056150-8709-403D-9B76-762C1400BCC0}" type="datetimeFigureOut">
               <a:rPr lang="fr-FR" smtClean="0"/>
-              <a:t>08/02/2021</a:t>
+              <a:t>23/02/2021</a:t>
             </a:fld>
             <a:endParaRPr lang="fr-FR"/>
           </a:p>
@@ -2547,7 +2548,7 @@
           <a:p>
             <a:fld id="{5B056150-8709-403D-9B76-762C1400BCC0}" type="datetimeFigureOut">
               <a:rPr lang="fr-FR" smtClean="0"/>
-              <a:t>08/02/2021</a:t>
+              <a:t>23/02/2021</a:t>
             </a:fld>
             <a:endParaRPr lang="fr-FR"/>
           </a:p>
@@ -2804,7 +2805,7 @@
           <a:p>
             <a:fld id="{5B056150-8709-403D-9B76-762C1400BCC0}" type="datetimeFigureOut">
               <a:rPr lang="fr-FR" smtClean="0"/>
-              <a:t>08/02/2021</a:t>
+              <a:t>23/02/2021</a:t>
             </a:fld>
             <a:endParaRPr lang="fr-FR"/>
           </a:p>
@@ -3017,7 +3018,7 @@
           <a:p>
             <a:fld id="{5B056150-8709-403D-9B76-762C1400BCC0}" type="datetimeFigureOut">
               <a:rPr lang="fr-FR" smtClean="0"/>
-              <a:t>08/02/2021</a:t>
+              <a:t>23/02/2021</a:t>
             </a:fld>
             <a:endParaRPr lang="fr-FR"/>
           </a:p>
@@ -11890,6 +11891,75 @@
     <p:extLst>
       <p:ext uri="{BB962C8B-B14F-4D97-AF65-F5344CB8AC3E}">
         <p14:creationId xmlns:p14="http://schemas.microsoft.com/office/powerpoint/2010/main" val="1555245944"/>
+      </p:ext>
+    </p:extLst>
+  </p:cSld>
+  <p:clrMapOvr>
+    <a:masterClrMapping/>
+  </p:clrMapOvr>
+</p:sld>
+</file>
+
+<file path=ppt/slides/slide9.xml><?xml version="1.0" encoding="utf-8"?>
+<p:sld xmlns:a="http://schemas.openxmlformats.org/drawingml/2006/main" xmlns:r="http://schemas.openxmlformats.org/officeDocument/2006/relationships" xmlns:p="http://schemas.openxmlformats.org/presentationml/2006/main">
+  <p:cSld>
+    <p:spTree>
+      <p:nvGrpSpPr>
+        <p:cNvPr id="1" name=""/>
+        <p:cNvGrpSpPr/>
+        <p:nvPr/>
+      </p:nvGrpSpPr>
+      <p:grpSpPr>
+        <a:xfrm>
+          <a:off x="0" y="0"/>
+          <a:ext cx="0" cy="0"/>
+          <a:chOff x="0" y="0"/>
+          <a:chExt cx="0" cy="0"/>
+        </a:xfrm>
+      </p:grpSpPr>
+      <p:pic>
+        <p:nvPicPr>
+          <p:cNvPr id="2" name="Image 4">
+            <a:extLst>
+              <a:ext uri="{FF2B5EF4-FFF2-40B4-BE49-F238E27FC236}">
+                <a16:creationId xmlns:a16="http://schemas.microsoft.com/office/drawing/2014/main" id="{1BEB6483-3EC9-4D6F-A60D-F9BAC7FD3233}"/>
+              </a:ext>
+            </a:extLst>
+          </p:cNvPr>
+          <p:cNvPicPr/>
+          <p:nvPr/>
+        </p:nvPicPr>
+        <p:blipFill>
+          <a:blip r:embed="rId2">
+            <a:extLst>
+              <a:ext uri="{28A0092B-C50C-407E-A947-70E740481C1C}">
+                <a14:useLocalDpi xmlns:a14="http://schemas.microsoft.com/office/drawing/2010/main" val="0"/>
+              </a:ext>
+            </a:extLst>
+          </a:blip>
+          <a:srcRect/>
+          <a:stretch>
+            <a:fillRect/>
+          </a:stretch>
+        </p:blipFill>
+        <p:spPr bwMode="auto">
+          <a:xfrm>
+            <a:off x="13171964" y="2882741"/>
+            <a:ext cx="3851910" cy="1325880"/>
+          </a:xfrm>
+          <a:prstGeom prst="rect">
+            <a:avLst/>
+          </a:prstGeom>
+          <a:noFill/>
+          <a:ln>
+            <a:noFill/>
+          </a:ln>
+        </p:spPr>
+      </p:pic>
+    </p:spTree>
+    <p:extLst>
+      <p:ext uri="{BB962C8B-B14F-4D97-AF65-F5344CB8AC3E}">
+        <p14:creationId xmlns:p14="http://schemas.microsoft.com/office/powerpoint/2010/main" val="1457534742"/>
       </p:ext>
     </p:extLst>
   </p:cSld>
